--- a/ppt 16-9/0657.认识你真好.pptx
+++ b/ppt 16-9/0657.认识你真好.pptx
@@ -129,7 +129,7 @@
           <p:cNvPr id="2" name="标题 1">
             <a:extLst>
               <a:ext uri="{FF2B5EF4-FFF2-40B4-BE49-F238E27FC236}">
-                <a16:creationId xmlns:a16="http://schemas.microsoft.com/office/drawing/2014/main" id="{A6CDFB54-0153-F777-2040-C95F5E14542F}"/>
+                <a16:creationId xmlns:a16="http://schemas.microsoft.com/office/drawing/2014/main" id="{0A75950E-C8BE-45B1-8B89-E04FD5711FBF}"/>
               </a:ext>
             </a:extLst>
           </p:cNvPr>
@@ -166,7 +166,7 @@
           <p:cNvPr id="3" name="副标题 2">
             <a:extLst>
               <a:ext uri="{FF2B5EF4-FFF2-40B4-BE49-F238E27FC236}">
-                <a16:creationId xmlns:a16="http://schemas.microsoft.com/office/drawing/2014/main" id="{D351407E-947A-D0C8-71C4-20DE963E5FF6}"/>
+                <a16:creationId xmlns:a16="http://schemas.microsoft.com/office/drawing/2014/main" id="{7A0C2D37-B06C-9C0A-8EF8-9B83B2E3BF1E}"/>
               </a:ext>
             </a:extLst>
           </p:cNvPr>
@@ -236,7 +236,7 @@
           <p:cNvPr id="4" name="日期占位符 3">
             <a:extLst>
               <a:ext uri="{FF2B5EF4-FFF2-40B4-BE49-F238E27FC236}">
-                <a16:creationId xmlns:a16="http://schemas.microsoft.com/office/drawing/2014/main" id="{57D9C377-A16A-F0BA-F604-C2519B64F960}"/>
+                <a16:creationId xmlns:a16="http://schemas.microsoft.com/office/drawing/2014/main" id="{97D5C80F-80F4-130B-7F03-3DA9DB2EC96F}"/>
               </a:ext>
             </a:extLst>
           </p:cNvPr>
@@ -252,7 +252,7 @@
           <a:bodyPr/>
           <a:lstStyle/>
           <a:p>
-            <a:fld id="{F8EEDDF0-B3DF-4380-A74C-E2B61C2D5E9D}" type="datetimeFigureOut">
+            <a:fld id="{5CC75D47-A33A-43F2-816F-7C0C6EC9ACAE}" type="datetimeFigureOut">
               <a:rPr lang="zh-CN" altLang="en-US" smtClean="0"/>
               <a:t>2024/3/10</a:t>
             </a:fld>
@@ -265,7 +265,7 @@
           <p:cNvPr id="5" name="页脚占位符 4">
             <a:extLst>
               <a:ext uri="{FF2B5EF4-FFF2-40B4-BE49-F238E27FC236}">
-                <a16:creationId xmlns:a16="http://schemas.microsoft.com/office/drawing/2014/main" id="{ECA76E29-171A-1D92-5B0A-401BF0179BB9}"/>
+                <a16:creationId xmlns:a16="http://schemas.microsoft.com/office/drawing/2014/main" id="{941B1ADD-8EFF-73E2-C7B0-884EEB07B852}"/>
               </a:ext>
             </a:extLst>
           </p:cNvPr>
@@ -290,7 +290,7 @@
           <p:cNvPr id="6" name="灯片编号占位符 5">
             <a:extLst>
               <a:ext uri="{FF2B5EF4-FFF2-40B4-BE49-F238E27FC236}">
-                <a16:creationId xmlns:a16="http://schemas.microsoft.com/office/drawing/2014/main" id="{ADB2320E-41B9-1230-4BBC-7AD2E4ECF6C4}"/>
+                <a16:creationId xmlns:a16="http://schemas.microsoft.com/office/drawing/2014/main" id="{E9FD1EAF-39EC-B16E-6474-541CC9DD13B7}"/>
               </a:ext>
             </a:extLst>
           </p:cNvPr>
@@ -306,7 +306,7 @@
           <a:bodyPr/>
           <a:lstStyle/>
           <a:p>
-            <a:fld id="{C464CF31-712F-46FF-961D-B004F7CAE694}" type="slidenum">
+            <a:fld id="{40DDE4FD-DFB3-4852-9545-40656E0DB72A}" type="slidenum">
               <a:rPr lang="zh-CN" altLang="en-US" smtClean="0"/>
               <a:t>‹#›</a:t>
             </a:fld>
@@ -317,7 +317,7 @@
     </p:spTree>
     <p:extLst>
       <p:ext uri="{BB962C8B-B14F-4D97-AF65-F5344CB8AC3E}">
-        <p14:creationId xmlns:p14="http://schemas.microsoft.com/office/powerpoint/2010/main" val="434778604"/>
+        <p14:creationId xmlns:p14="http://schemas.microsoft.com/office/powerpoint/2010/main" val="1423458487"/>
       </p:ext>
     </p:extLst>
   </p:cSld>
@@ -349,7 +349,7 @@
           <p:cNvPr id="2" name="标题 1">
             <a:extLst>
               <a:ext uri="{FF2B5EF4-FFF2-40B4-BE49-F238E27FC236}">
-                <a16:creationId xmlns:a16="http://schemas.microsoft.com/office/drawing/2014/main" id="{88AE5B2D-501F-2017-7BB0-3D795E0E04B7}"/>
+                <a16:creationId xmlns:a16="http://schemas.microsoft.com/office/drawing/2014/main" id="{F55BFB40-D756-EE26-3993-4106AA175262}"/>
               </a:ext>
             </a:extLst>
           </p:cNvPr>
@@ -377,7 +377,7 @@
           <p:cNvPr id="3" name="竖排文字占位符 2">
             <a:extLst>
               <a:ext uri="{FF2B5EF4-FFF2-40B4-BE49-F238E27FC236}">
-                <a16:creationId xmlns:a16="http://schemas.microsoft.com/office/drawing/2014/main" id="{E7235B66-35B9-2E21-E1CC-A608024201E9}"/>
+                <a16:creationId xmlns:a16="http://schemas.microsoft.com/office/drawing/2014/main" id="{381720F4-36EB-20B0-ED0D-66A19F349A6B}"/>
               </a:ext>
             </a:extLst>
           </p:cNvPr>
@@ -434,7 +434,7 @@
           <p:cNvPr id="4" name="日期占位符 3">
             <a:extLst>
               <a:ext uri="{FF2B5EF4-FFF2-40B4-BE49-F238E27FC236}">
-                <a16:creationId xmlns:a16="http://schemas.microsoft.com/office/drawing/2014/main" id="{F4B5D0BB-86C1-75C3-90B6-796E827AE236}"/>
+                <a16:creationId xmlns:a16="http://schemas.microsoft.com/office/drawing/2014/main" id="{10066802-1A99-9358-B6D3-663CF8897160}"/>
               </a:ext>
             </a:extLst>
           </p:cNvPr>
@@ -450,7 +450,7 @@
           <a:bodyPr/>
           <a:lstStyle/>
           <a:p>
-            <a:fld id="{F8EEDDF0-B3DF-4380-A74C-E2B61C2D5E9D}" type="datetimeFigureOut">
+            <a:fld id="{5CC75D47-A33A-43F2-816F-7C0C6EC9ACAE}" type="datetimeFigureOut">
               <a:rPr lang="zh-CN" altLang="en-US" smtClean="0"/>
               <a:t>2024/3/10</a:t>
             </a:fld>
@@ -463,7 +463,7 @@
           <p:cNvPr id="5" name="页脚占位符 4">
             <a:extLst>
               <a:ext uri="{FF2B5EF4-FFF2-40B4-BE49-F238E27FC236}">
-                <a16:creationId xmlns:a16="http://schemas.microsoft.com/office/drawing/2014/main" id="{C8E4864B-1F67-92C1-9A5D-042245638D5B}"/>
+                <a16:creationId xmlns:a16="http://schemas.microsoft.com/office/drawing/2014/main" id="{22C051BD-6425-37CC-3DC6-B8BB528BF9F0}"/>
               </a:ext>
             </a:extLst>
           </p:cNvPr>
@@ -488,7 +488,7 @@
           <p:cNvPr id="6" name="灯片编号占位符 5">
             <a:extLst>
               <a:ext uri="{FF2B5EF4-FFF2-40B4-BE49-F238E27FC236}">
-                <a16:creationId xmlns:a16="http://schemas.microsoft.com/office/drawing/2014/main" id="{4C61DC89-539E-F008-935F-66980095AE82}"/>
+                <a16:creationId xmlns:a16="http://schemas.microsoft.com/office/drawing/2014/main" id="{7E2AB499-8CE5-D70F-4B01-098E96C9C782}"/>
               </a:ext>
             </a:extLst>
           </p:cNvPr>
@@ -504,7 +504,7 @@
           <a:bodyPr/>
           <a:lstStyle/>
           <a:p>
-            <a:fld id="{C464CF31-712F-46FF-961D-B004F7CAE694}" type="slidenum">
+            <a:fld id="{40DDE4FD-DFB3-4852-9545-40656E0DB72A}" type="slidenum">
               <a:rPr lang="zh-CN" altLang="en-US" smtClean="0"/>
               <a:t>‹#›</a:t>
             </a:fld>
@@ -515,7 +515,7 @@
     </p:spTree>
     <p:extLst>
       <p:ext uri="{BB962C8B-B14F-4D97-AF65-F5344CB8AC3E}">
-        <p14:creationId xmlns:p14="http://schemas.microsoft.com/office/powerpoint/2010/main" val="1688678196"/>
+        <p14:creationId xmlns:p14="http://schemas.microsoft.com/office/powerpoint/2010/main" val="219606482"/>
       </p:ext>
     </p:extLst>
   </p:cSld>
@@ -547,7 +547,7 @@
           <p:cNvPr id="2" name="竖排标题 1">
             <a:extLst>
               <a:ext uri="{FF2B5EF4-FFF2-40B4-BE49-F238E27FC236}">
-                <a16:creationId xmlns:a16="http://schemas.microsoft.com/office/drawing/2014/main" id="{F56031BC-3B65-061C-0370-B8B95599569E}"/>
+                <a16:creationId xmlns:a16="http://schemas.microsoft.com/office/drawing/2014/main" id="{D7F0509B-286B-1305-3245-F9434D47E8FD}"/>
               </a:ext>
             </a:extLst>
           </p:cNvPr>
@@ -580,7 +580,7 @@
           <p:cNvPr id="3" name="竖排文字占位符 2">
             <a:extLst>
               <a:ext uri="{FF2B5EF4-FFF2-40B4-BE49-F238E27FC236}">
-                <a16:creationId xmlns:a16="http://schemas.microsoft.com/office/drawing/2014/main" id="{BE2EAA2D-3228-1865-D20E-DB4599F09A0F}"/>
+                <a16:creationId xmlns:a16="http://schemas.microsoft.com/office/drawing/2014/main" id="{C196D00D-518F-4241-5863-8A25B2B70FBD}"/>
               </a:ext>
             </a:extLst>
           </p:cNvPr>
@@ -642,7 +642,7 @@
           <p:cNvPr id="4" name="日期占位符 3">
             <a:extLst>
               <a:ext uri="{FF2B5EF4-FFF2-40B4-BE49-F238E27FC236}">
-                <a16:creationId xmlns:a16="http://schemas.microsoft.com/office/drawing/2014/main" id="{1BB0DBC2-4A10-849B-2E99-6DD357BDE04A}"/>
+                <a16:creationId xmlns:a16="http://schemas.microsoft.com/office/drawing/2014/main" id="{2037F067-DA03-5A42-6402-5C864C155DDA}"/>
               </a:ext>
             </a:extLst>
           </p:cNvPr>
@@ -658,7 +658,7 @@
           <a:bodyPr/>
           <a:lstStyle/>
           <a:p>
-            <a:fld id="{F8EEDDF0-B3DF-4380-A74C-E2B61C2D5E9D}" type="datetimeFigureOut">
+            <a:fld id="{5CC75D47-A33A-43F2-816F-7C0C6EC9ACAE}" type="datetimeFigureOut">
               <a:rPr lang="zh-CN" altLang="en-US" smtClean="0"/>
               <a:t>2024/3/10</a:t>
             </a:fld>
@@ -671,7 +671,7 @@
           <p:cNvPr id="5" name="页脚占位符 4">
             <a:extLst>
               <a:ext uri="{FF2B5EF4-FFF2-40B4-BE49-F238E27FC236}">
-                <a16:creationId xmlns:a16="http://schemas.microsoft.com/office/drawing/2014/main" id="{99FB19D4-194C-3267-E9D3-15E606CC74D4}"/>
+                <a16:creationId xmlns:a16="http://schemas.microsoft.com/office/drawing/2014/main" id="{CC5EF81F-C29E-8855-5295-C7915E1F70C8}"/>
               </a:ext>
             </a:extLst>
           </p:cNvPr>
@@ -696,7 +696,7 @@
           <p:cNvPr id="6" name="灯片编号占位符 5">
             <a:extLst>
               <a:ext uri="{FF2B5EF4-FFF2-40B4-BE49-F238E27FC236}">
-                <a16:creationId xmlns:a16="http://schemas.microsoft.com/office/drawing/2014/main" id="{5BD54391-A15E-70A7-9209-4B89B07D5C72}"/>
+                <a16:creationId xmlns:a16="http://schemas.microsoft.com/office/drawing/2014/main" id="{803C6DF2-215D-3408-ADE6-D69A7892CD67}"/>
               </a:ext>
             </a:extLst>
           </p:cNvPr>
@@ -712,7 +712,7 @@
           <a:bodyPr/>
           <a:lstStyle/>
           <a:p>
-            <a:fld id="{C464CF31-712F-46FF-961D-B004F7CAE694}" type="slidenum">
+            <a:fld id="{40DDE4FD-DFB3-4852-9545-40656E0DB72A}" type="slidenum">
               <a:rPr lang="zh-CN" altLang="en-US" smtClean="0"/>
               <a:t>‹#›</a:t>
             </a:fld>
@@ -723,7 +723,7 @@
     </p:spTree>
     <p:extLst>
       <p:ext uri="{BB962C8B-B14F-4D97-AF65-F5344CB8AC3E}">
-        <p14:creationId xmlns:p14="http://schemas.microsoft.com/office/powerpoint/2010/main" val="1475588875"/>
+        <p14:creationId xmlns:p14="http://schemas.microsoft.com/office/powerpoint/2010/main" val="4171609959"/>
       </p:ext>
     </p:extLst>
   </p:cSld>
@@ -755,7 +755,7 @@
           <p:cNvPr id="2" name="标题 1">
             <a:extLst>
               <a:ext uri="{FF2B5EF4-FFF2-40B4-BE49-F238E27FC236}">
-                <a16:creationId xmlns:a16="http://schemas.microsoft.com/office/drawing/2014/main" id="{730B8D67-BEF8-85AF-77D7-11DD95218B72}"/>
+                <a16:creationId xmlns:a16="http://schemas.microsoft.com/office/drawing/2014/main" id="{EB7766F7-881D-E140-CFAC-F6895A4639EC}"/>
               </a:ext>
             </a:extLst>
           </p:cNvPr>
@@ -783,7 +783,7 @@
           <p:cNvPr id="3" name="内容占位符 2">
             <a:extLst>
               <a:ext uri="{FF2B5EF4-FFF2-40B4-BE49-F238E27FC236}">
-                <a16:creationId xmlns:a16="http://schemas.microsoft.com/office/drawing/2014/main" id="{23C4DD98-33C4-5114-0B62-C4229B68FF7C}"/>
+                <a16:creationId xmlns:a16="http://schemas.microsoft.com/office/drawing/2014/main" id="{D2410B70-676C-F199-67ED-13FB33B4EC75}"/>
               </a:ext>
             </a:extLst>
           </p:cNvPr>
@@ -840,7 +840,7 @@
           <p:cNvPr id="4" name="日期占位符 3">
             <a:extLst>
               <a:ext uri="{FF2B5EF4-FFF2-40B4-BE49-F238E27FC236}">
-                <a16:creationId xmlns:a16="http://schemas.microsoft.com/office/drawing/2014/main" id="{E5321E8C-4834-AE7B-1686-A840AA98A5E5}"/>
+                <a16:creationId xmlns:a16="http://schemas.microsoft.com/office/drawing/2014/main" id="{6BFDFF95-ABF4-5727-6A0B-AA6CC61DCBE8}"/>
               </a:ext>
             </a:extLst>
           </p:cNvPr>
@@ -856,7 +856,7 @@
           <a:bodyPr/>
           <a:lstStyle/>
           <a:p>
-            <a:fld id="{F8EEDDF0-B3DF-4380-A74C-E2B61C2D5E9D}" type="datetimeFigureOut">
+            <a:fld id="{5CC75D47-A33A-43F2-816F-7C0C6EC9ACAE}" type="datetimeFigureOut">
               <a:rPr lang="zh-CN" altLang="en-US" smtClean="0"/>
               <a:t>2024/3/10</a:t>
             </a:fld>
@@ -869,7 +869,7 @@
           <p:cNvPr id="5" name="页脚占位符 4">
             <a:extLst>
               <a:ext uri="{FF2B5EF4-FFF2-40B4-BE49-F238E27FC236}">
-                <a16:creationId xmlns:a16="http://schemas.microsoft.com/office/drawing/2014/main" id="{DFF45493-C267-8FA1-0B2E-51F4FE0B6C15}"/>
+                <a16:creationId xmlns:a16="http://schemas.microsoft.com/office/drawing/2014/main" id="{1B387A51-AA74-1F39-E713-7D98EABAD6F9}"/>
               </a:ext>
             </a:extLst>
           </p:cNvPr>
@@ -894,7 +894,7 @@
           <p:cNvPr id="6" name="灯片编号占位符 5">
             <a:extLst>
               <a:ext uri="{FF2B5EF4-FFF2-40B4-BE49-F238E27FC236}">
-                <a16:creationId xmlns:a16="http://schemas.microsoft.com/office/drawing/2014/main" id="{58954B5D-C267-448E-2BC7-EDE160230E5C}"/>
+                <a16:creationId xmlns:a16="http://schemas.microsoft.com/office/drawing/2014/main" id="{DA87AD1B-A70D-62D7-C0AC-3BC6BBCD1F89}"/>
               </a:ext>
             </a:extLst>
           </p:cNvPr>
@@ -910,7 +910,7 @@
           <a:bodyPr/>
           <a:lstStyle/>
           <a:p>
-            <a:fld id="{C464CF31-712F-46FF-961D-B004F7CAE694}" type="slidenum">
+            <a:fld id="{40DDE4FD-DFB3-4852-9545-40656E0DB72A}" type="slidenum">
               <a:rPr lang="zh-CN" altLang="en-US" smtClean="0"/>
               <a:t>‹#›</a:t>
             </a:fld>
@@ -921,7 +921,7 @@
     </p:spTree>
     <p:extLst>
       <p:ext uri="{BB962C8B-B14F-4D97-AF65-F5344CB8AC3E}">
-        <p14:creationId xmlns:p14="http://schemas.microsoft.com/office/powerpoint/2010/main" val="1745664096"/>
+        <p14:creationId xmlns:p14="http://schemas.microsoft.com/office/powerpoint/2010/main" val="3389167446"/>
       </p:ext>
     </p:extLst>
   </p:cSld>
@@ -953,7 +953,7 @@
           <p:cNvPr id="2" name="标题 1">
             <a:extLst>
               <a:ext uri="{FF2B5EF4-FFF2-40B4-BE49-F238E27FC236}">
-                <a16:creationId xmlns:a16="http://schemas.microsoft.com/office/drawing/2014/main" id="{63873B4A-BC3A-D8B3-4C39-5F346B304D2F}"/>
+                <a16:creationId xmlns:a16="http://schemas.microsoft.com/office/drawing/2014/main" id="{37089A84-3169-6DE4-225B-F7376C573543}"/>
               </a:ext>
             </a:extLst>
           </p:cNvPr>
@@ -990,7 +990,7 @@
           <p:cNvPr id="3" name="文本占位符 2">
             <a:extLst>
               <a:ext uri="{FF2B5EF4-FFF2-40B4-BE49-F238E27FC236}">
-                <a16:creationId xmlns:a16="http://schemas.microsoft.com/office/drawing/2014/main" id="{C732E830-CD29-F3FF-7133-9A47FE24037B}"/>
+                <a16:creationId xmlns:a16="http://schemas.microsoft.com/office/drawing/2014/main" id="{C7130DCB-3597-E626-1C0D-B6D1F3DD6B7A}"/>
               </a:ext>
             </a:extLst>
           </p:cNvPr>
@@ -1115,7 +1115,7 @@
           <p:cNvPr id="4" name="日期占位符 3">
             <a:extLst>
               <a:ext uri="{FF2B5EF4-FFF2-40B4-BE49-F238E27FC236}">
-                <a16:creationId xmlns:a16="http://schemas.microsoft.com/office/drawing/2014/main" id="{0AC5B11A-5179-42D0-CEF3-8DCF48709E24}"/>
+                <a16:creationId xmlns:a16="http://schemas.microsoft.com/office/drawing/2014/main" id="{586A0233-2A66-0897-189C-27EE9E37F510}"/>
               </a:ext>
             </a:extLst>
           </p:cNvPr>
@@ -1131,7 +1131,7 @@
           <a:bodyPr/>
           <a:lstStyle/>
           <a:p>
-            <a:fld id="{F8EEDDF0-B3DF-4380-A74C-E2B61C2D5E9D}" type="datetimeFigureOut">
+            <a:fld id="{5CC75D47-A33A-43F2-816F-7C0C6EC9ACAE}" type="datetimeFigureOut">
               <a:rPr lang="zh-CN" altLang="en-US" smtClean="0"/>
               <a:t>2024/3/10</a:t>
             </a:fld>
@@ -1144,7 +1144,7 @@
           <p:cNvPr id="5" name="页脚占位符 4">
             <a:extLst>
               <a:ext uri="{FF2B5EF4-FFF2-40B4-BE49-F238E27FC236}">
-                <a16:creationId xmlns:a16="http://schemas.microsoft.com/office/drawing/2014/main" id="{991FE76A-009E-F879-B4E2-FAF7BE066B2C}"/>
+                <a16:creationId xmlns:a16="http://schemas.microsoft.com/office/drawing/2014/main" id="{51BD3B25-20B7-5D61-053B-6171A4344217}"/>
               </a:ext>
             </a:extLst>
           </p:cNvPr>
@@ -1169,7 +1169,7 @@
           <p:cNvPr id="6" name="灯片编号占位符 5">
             <a:extLst>
               <a:ext uri="{FF2B5EF4-FFF2-40B4-BE49-F238E27FC236}">
-                <a16:creationId xmlns:a16="http://schemas.microsoft.com/office/drawing/2014/main" id="{3AA685F4-8715-F873-5DB3-061A798DF4CF}"/>
+                <a16:creationId xmlns:a16="http://schemas.microsoft.com/office/drawing/2014/main" id="{E725B2A3-4F08-E7BF-DA16-26587A04AEB4}"/>
               </a:ext>
             </a:extLst>
           </p:cNvPr>
@@ -1185,7 +1185,7 @@
           <a:bodyPr/>
           <a:lstStyle/>
           <a:p>
-            <a:fld id="{C464CF31-712F-46FF-961D-B004F7CAE694}" type="slidenum">
+            <a:fld id="{40DDE4FD-DFB3-4852-9545-40656E0DB72A}" type="slidenum">
               <a:rPr lang="zh-CN" altLang="en-US" smtClean="0"/>
               <a:t>‹#›</a:t>
             </a:fld>
@@ -1196,7 +1196,7 @@
     </p:spTree>
     <p:extLst>
       <p:ext uri="{BB962C8B-B14F-4D97-AF65-F5344CB8AC3E}">
-        <p14:creationId xmlns:p14="http://schemas.microsoft.com/office/powerpoint/2010/main" val="4120243236"/>
+        <p14:creationId xmlns:p14="http://schemas.microsoft.com/office/powerpoint/2010/main" val="2773329903"/>
       </p:ext>
     </p:extLst>
   </p:cSld>
@@ -1228,7 +1228,7 @@
           <p:cNvPr id="2" name="标题 1">
             <a:extLst>
               <a:ext uri="{FF2B5EF4-FFF2-40B4-BE49-F238E27FC236}">
-                <a16:creationId xmlns:a16="http://schemas.microsoft.com/office/drawing/2014/main" id="{712CF4C9-0AA7-73D6-F3D0-03FC8A132B59}"/>
+                <a16:creationId xmlns:a16="http://schemas.microsoft.com/office/drawing/2014/main" id="{63BCD01B-B8C1-A4DD-610E-821EF9607C3D}"/>
               </a:ext>
             </a:extLst>
           </p:cNvPr>
@@ -1256,7 +1256,7 @@
           <p:cNvPr id="3" name="内容占位符 2">
             <a:extLst>
               <a:ext uri="{FF2B5EF4-FFF2-40B4-BE49-F238E27FC236}">
-                <a16:creationId xmlns:a16="http://schemas.microsoft.com/office/drawing/2014/main" id="{CB34DFBE-A189-6E53-DDB9-E76F1462942F}"/>
+                <a16:creationId xmlns:a16="http://schemas.microsoft.com/office/drawing/2014/main" id="{E10BF647-E828-7351-9667-9B0FFC96C94E}"/>
               </a:ext>
             </a:extLst>
           </p:cNvPr>
@@ -1318,7 +1318,7 @@
           <p:cNvPr id="4" name="内容占位符 3">
             <a:extLst>
               <a:ext uri="{FF2B5EF4-FFF2-40B4-BE49-F238E27FC236}">
-                <a16:creationId xmlns:a16="http://schemas.microsoft.com/office/drawing/2014/main" id="{BE45BBCD-8B8D-FCBE-FC69-93DEE3A145AA}"/>
+                <a16:creationId xmlns:a16="http://schemas.microsoft.com/office/drawing/2014/main" id="{C7717729-B183-F718-E981-E172DEA5AF1D}"/>
               </a:ext>
             </a:extLst>
           </p:cNvPr>
@@ -1380,7 +1380,7 @@
           <p:cNvPr id="5" name="日期占位符 4">
             <a:extLst>
               <a:ext uri="{FF2B5EF4-FFF2-40B4-BE49-F238E27FC236}">
-                <a16:creationId xmlns:a16="http://schemas.microsoft.com/office/drawing/2014/main" id="{F1A302FF-EFC5-F4CA-9F9F-11379257F3BA}"/>
+                <a16:creationId xmlns:a16="http://schemas.microsoft.com/office/drawing/2014/main" id="{FD899A36-F4AF-9430-7F41-1628C04CE32A}"/>
               </a:ext>
             </a:extLst>
           </p:cNvPr>
@@ -1396,7 +1396,7 @@
           <a:bodyPr/>
           <a:lstStyle/>
           <a:p>
-            <a:fld id="{F8EEDDF0-B3DF-4380-A74C-E2B61C2D5E9D}" type="datetimeFigureOut">
+            <a:fld id="{5CC75D47-A33A-43F2-816F-7C0C6EC9ACAE}" type="datetimeFigureOut">
               <a:rPr lang="zh-CN" altLang="en-US" smtClean="0"/>
               <a:t>2024/3/10</a:t>
             </a:fld>
@@ -1409,7 +1409,7 @@
           <p:cNvPr id="6" name="页脚占位符 5">
             <a:extLst>
               <a:ext uri="{FF2B5EF4-FFF2-40B4-BE49-F238E27FC236}">
-                <a16:creationId xmlns:a16="http://schemas.microsoft.com/office/drawing/2014/main" id="{74492340-F40B-C444-0ECB-5ABEC20F0EF4}"/>
+                <a16:creationId xmlns:a16="http://schemas.microsoft.com/office/drawing/2014/main" id="{A0E3982E-7D86-5718-1B5F-6772344858D2}"/>
               </a:ext>
             </a:extLst>
           </p:cNvPr>
@@ -1434,7 +1434,7 @@
           <p:cNvPr id="7" name="灯片编号占位符 6">
             <a:extLst>
               <a:ext uri="{FF2B5EF4-FFF2-40B4-BE49-F238E27FC236}">
-                <a16:creationId xmlns:a16="http://schemas.microsoft.com/office/drawing/2014/main" id="{1C844A86-CFC4-F89A-3553-F081E4071C0C}"/>
+                <a16:creationId xmlns:a16="http://schemas.microsoft.com/office/drawing/2014/main" id="{EAF77B33-E430-FE78-0272-5A3A214C944A}"/>
               </a:ext>
             </a:extLst>
           </p:cNvPr>
@@ -1450,7 +1450,7 @@
           <a:bodyPr/>
           <a:lstStyle/>
           <a:p>
-            <a:fld id="{C464CF31-712F-46FF-961D-B004F7CAE694}" type="slidenum">
+            <a:fld id="{40DDE4FD-DFB3-4852-9545-40656E0DB72A}" type="slidenum">
               <a:rPr lang="zh-CN" altLang="en-US" smtClean="0"/>
               <a:t>‹#›</a:t>
             </a:fld>
@@ -1461,7 +1461,7 @@
     </p:spTree>
     <p:extLst>
       <p:ext uri="{BB962C8B-B14F-4D97-AF65-F5344CB8AC3E}">
-        <p14:creationId xmlns:p14="http://schemas.microsoft.com/office/powerpoint/2010/main" val="4219430410"/>
+        <p14:creationId xmlns:p14="http://schemas.microsoft.com/office/powerpoint/2010/main" val="2345096629"/>
       </p:ext>
     </p:extLst>
   </p:cSld>
@@ -1493,7 +1493,7 @@
           <p:cNvPr id="2" name="标题 1">
             <a:extLst>
               <a:ext uri="{FF2B5EF4-FFF2-40B4-BE49-F238E27FC236}">
-                <a16:creationId xmlns:a16="http://schemas.microsoft.com/office/drawing/2014/main" id="{1FA8F32A-728B-C146-4CE2-A92919EA3DAD}"/>
+                <a16:creationId xmlns:a16="http://schemas.microsoft.com/office/drawing/2014/main" id="{4E1BD078-1B05-A2E4-5F59-8204F11B0F31}"/>
               </a:ext>
             </a:extLst>
           </p:cNvPr>
@@ -1526,7 +1526,7 @@
           <p:cNvPr id="3" name="文本占位符 2">
             <a:extLst>
               <a:ext uri="{FF2B5EF4-FFF2-40B4-BE49-F238E27FC236}">
-                <a16:creationId xmlns:a16="http://schemas.microsoft.com/office/drawing/2014/main" id="{498A0A69-FC28-1BEC-BB30-C489BB6EF7F6}"/>
+                <a16:creationId xmlns:a16="http://schemas.microsoft.com/office/drawing/2014/main" id="{EECE07D9-E184-4EE3-FB20-DFC87679A193}"/>
               </a:ext>
             </a:extLst>
           </p:cNvPr>
@@ -1597,7 +1597,7 @@
           <p:cNvPr id="4" name="内容占位符 3">
             <a:extLst>
               <a:ext uri="{FF2B5EF4-FFF2-40B4-BE49-F238E27FC236}">
-                <a16:creationId xmlns:a16="http://schemas.microsoft.com/office/drawing/2014/main" id="{162F40D1-18D8-9E6E-381F-2D2D27B2AE2F}"/>
+                <a16:creationId xmlns:a16="http://schemas.microsoft.com/office/drawing/2014/main" id="{2702AEDF-E7B8-DAE5-6471-61058A8C0BD8}"/>
               </a:ext>
             </a:extLst>
           </p:cNvPr>
@@ -1659,7 +1659,7 @@
           <p:cNvPr id="5" name="文本占位符 4">
             <a:extLst>
               <a:ext uri="{FF2B5EF4-FFF2-40B4-BE49-F238E27FC236}">
-                <a16:creationId xmlns:a16="http://schemas.microsoft.com/office/drawing/2014/main" id="{67CFA718-2441-B99F-04AE-1592BABA49B0}"/>
+                <a16:creationId xmlns:a16="http://schemas.microsoft.com/office/drawing/2014/main" id="{7D9FEEE2-AE10-F251-0F07-5CCC9F37115D}"/>
               </a:ext>
             </a:extLst>
           </p:cNvPr>
@@ -1730,7 +1730,7 @@
           <p:cNvPr id="6" name="内容占位符 5">
             <a:extLst>
               <a:ext uri="{FF2B5EF4-FFF2-40B4-BE49-F238E27FC236}">
-                <a16:creationId xmlns:a16="http://schemas.microsoft.com/office/drawing/2014/main" id="{9EA4A66E-6225-D5D6-C257-1DE7DC8A442D}"/>
+                <a16:creationId xmlns:a16="http://schemas.microsoft.com/office/drawing/2014/main" id="{40DF75E7-6466-9AD6-C88F-330C42CDD19E}"/>
               </a:ext>
             </a:extLst>
           </p:cNvPr>
@@ -1792,7 +1792,7 @@
           <p:cNvPr id="7" name="日期占位符 6">
             <a:extLst>
               <a:ext uri="{FF2B5EF4-FFF2-40B4-BE49-F238E27FC236}">
-                <a16:creationId xmlns:a16="http://schemas.microsoft.com/office/drawing/2014/main" id="{A9DFB75D-440F-FF77-E63E-74DE5E51F47A}"/>
+                <a16:creationId xmlns:a16="http://schemas.microsoft.com/office/drawing/2014/main" id="{7457A772-0A26-7C6D-6E20-9CF73D169ABD}"/>
               </a:ext>
             </a:extLst>
           </p:cNvPr>
@@ -1808,7 +1808,7 @@
           <a:bodyPr/>
           <a:lstStyle/>
           <a:p>
-            <a:fld id="{F8EEDDF0-B3DF-4380-A74C-E2B61C2D5E9D}" type="datetimeFigureOut">
+            <a:fld id="{5CC75D47-A33A-43F2-816F-7C0C6EC9ACAE}" type="datetimeFigureOut">
               <a:rPr lang="zh-CN" altLang="en-US" smtClean="0"/>
               <a:t>2024/3/10</a:t>
             </a:fld>
@@ -1821,7 +1821,7 @@
           <p:cNvPr id="8" name="页脚占位符 7">
             <a:extLst>
               <a:ext uri="{FF2B5EF4-FFF2-40B4-BE49-F238E27FC236}">
-                <a16:creationId xmlns:a16="http://schemas.microsoft.com/office/drawing/2014/main" id="{86851E35-0EC8-CBD1-C860-47FE21FCBD69}"/>
+                <a16:creationId xmlns:a16="http://schemas.microsoft.com/office/drawing/2014/main" id="{58C321AF-DE45-3822-540B-43DC494033E9}"/>
               </a:ext>
             </a:extLst>
           </p:cNvPr>
@@ -1846,7 +1846,7 @@
           <p:cNvPr id="9" name="灯片编号占位符 8">
             <a:extLst>
               <a:ext uri="{FF2B5EF4-FFF2-40B4-BE49-F238E27FC236}">
-                <a16:creationId xmlns:a16="http://schemas.microsoft.com/office/drawing/2014/main" id="{B72A1B98-B548-DE8D-EDF2-00068F17E49F}"/>
+                <a16:creationId xmlns:a16="http://schemas.microsoft.com/office/drawing/2014/main" id="{696A11AD-3CFE-8E61-BD11-7E839CEFEB24}"/>
               </a:ext>
             </a:extLst>
           </p:cNvPr>
@@ -1862,7 +1862,7 @@
           <a:bodyPr/>
           <a:lstStyle/>
           <a:p>
-            <a:fld id="{C464CF31-712F-46FF-961D-B004F7CAE694}" type="slidenum">
+            <a:fld id="{40DDE4FD-DFB3-4852-9545-40656E0DB72A}" type="slidenum">
               <a:rPr lang="zh-CN" altLang="en-US" smtClean="0"/>
               <a:t>‹#›</a:t>
             </a:fld>
@@ -1873,7 +1873,7 @@
     </p:spTree>
     <p:extLst>
       <p:ext uri="{BB962C8B-B14F-4D97-AF65-F5344CB8AC3E}">
-        <p14:creationId xmlns:p14="http://schemas.microsoft.com/office/powerpoint/2010/main" val="1536747629"/>
+        <p14:creationId xmlns:p14="http://schemas.microsoft.com/office/powerpoint/2010/main" val="848883091"/>
       </p:ext>
     </p:extLst>
   </p:cSld>
@@ -1905,7 +1905,7 @@
           <p:cNvPr id="2" name="标题 1">
             <a:extLst>
               <a:ext uri="{FF2B5EF4-FFF2-40B4-BE49-F238E27FC236}">
-                <a16:creationId xmlns:a16="http://schemas.microsoft.com/office/drawing/2014/main" id="{B6E84201-7A87-6488-7235-2CAD0A63BB4E}"/>
+                <a16:creationId xmlns:a16="http://schemas.microsoft.com/office/drawing/2014/main" id="{D1F3A73C-14BC-039C-957A-8CC4212B532D}"/>
               </a:ext>
             </a:extLst>
           </p:cNvPr>
@@ -1933,7 +1933,7 @@
           <p:cNvPr id="3" name="日期占位符 2">
             <a:extLst>
               <a:ext uri="{FF2B5EF4-FFF2-40B4-BE49-F238E27FC236}">
-                <a16:creationId xmlns:a16="http://schemas.microsoft.com/office/drawing/2014/main" id="{78A4FD2D-D201-4081-E4C5-E75DE1B683FA}"/>
+                <a16:creationId xmlns:a16="http://schemas.microsoft.com/office/drawing/2014/main" id="{57101525-BEC2-10FB-2FB0-D4A71CCBCBE3}"/>
               </a:ext>
             </a:extLst>
           </p:cNvPr>
@@ -1949,7 +1949,7 @@
           <a:bodyPr/>
           <a:lstStyle/>
           <a:p>
-            <a:fld id="{F8EEDDF0-B3DF-4380-A74C-E2B61C2D5E9D}" type="datetimeFigureOut">
+            <a:fld id="{5CC75D47-A33A-43F2-816F-7C0C6EC9ACAE}" type="datetimeFigureOut">
               <a:rPr lang="zh-CN" altLang="en-US" smtClean="0"/>
               <a:t>2024/3/10</a:t>
             </a:fld>
@@ -1962,7 +1962,7 @@
           <p:cNvPr id="4" name="页脚占位符 3">
             <a:extLst>
               <a:ext uri="{FF2B5EF4-FFF2-40B4-BE49-F238E27FC236}">
-                <a16:creationId xmlns:a16="http://schemas.microsoft.com/office/drawing/2014/main" id="{EFE2908A-CCC5-5421-800C-0FBFCD2F5073}"/>
+                <a16:creationId xmlns:a16="http://schemas.microsoft.com/office/drawing/2014/main" id="{13B83072-893A-256A-BFFD-3BD9DE2F3F4F}"/>
               </a:ext>
             </a:extLst>
           </p:cNvPr>
@@ -1987,7 +1987,7 @@
           <p:cNvPr id="5" name="灯片编号占位符 4">
             <a:extLst>
               <a:ext uri="{FF2B5EF4-FFF2-40B4-BE49-F238E27FC236}">
-                <a16:creationId xmlns:a16="http://schemas.microsoft.com/office/drawing/2014/main" id="{4D0AFCE0-17D5-3CDD-DB83-423B66F2B121}"/>
+                <a16:creationId xmlns:a16="http://schemas.microsoft.com/office/drawing/2014/main" id="{D906E094-8601-EBAE-9CB1-147F48BC6BE3}"/>
               </a:ext>
             </a:extLst>
           </p:cNvPr>
@@ -2003,7 +2003,7 @@
           <a:bodyPr/>
           <a:lstStyle/>
           <a:p>
-            <a:fld id="{C464CF31-712F-46FF-961D-B004F7CAE694}" type="slidenum">
+            <a:fld id="{40DDE4FD-DFB3-4852-9545-40656E0DB72A}" type="slidenum">
               <a:rPr lang="zh-CN" altLang="en-US" smtClean="0"/>
               <a:t>‹#›</a:t>
             </a:fld>
@@ -2014,7 +2014,7 @@
     </p:spTree>
     <p:extLst>
       <p:ext uri="{BB962C8B-B14F-4D97-AF65-F5344CB8AC3E}">
-        <p14:creationId xmlns:p14="http://schemas.microsoft.com/office/powerpoint/2010/main" val="3170912590"/>
+        <p14:creationId xmlns:p14="http://schemas.microsoft.com/office/powerpoint/2010/main" val="885630229"/>
       </p:ext>
     </p:extLst>
   </p:cSld>
@@ -2046,7 +2046,7 @@
           <p:cNvPr id="2" name="日期占位符 1">
             <a:extLst>
               <a:ext uri="{FF2B5EF4-FFF2-40B4-BE49-F238E27FC236}">
-                <a16:creationId xmlns:a16="http://schemas.microsoft.com/office/drawing/2014/main" id="{3C68C61D-7B87-21AB-C886-C249C82DC640}"/>
+                <a16:creationId xmlns:a16="http://schemas.microsoft.com/office/drawing/2014/main" id="{617E5679-24AC-C5F9-0EEB-D44B36BC0D2B}"/>
               </a:ext>
             </a:extLst>
           </p:cNvPr>
@@ -2062,7 +2062,7 @@
           <a:bodyPr/>
           <a:lstStyle/>
           <a:p>
-            <a:fld id="{F8EEDDF0-B3DF-4380-A74C-E2B61C2D5E9D}" type="datetimeFigureOut">
+            <a:fld id="{5CC75D47-A33A-43F2-816F-7C0C6EC9ACAE}" type="datetimeFigureOut">
               <a:rPr lang="zh-CN" altLang="en-US" smtClean="0"/>
               <a:t>2024/3/10</a:t>
             </a:fld>
@@ -2075,7 +2075,7 @@
           <p:cNvPr id="3" name="页脚占位符 2">
             <a:extLst>
               <a:ext uri="{FF2B5EF4-FFF2-40B4-BE49-F238E27FC236}">
-                <a16:creationId xmlns:a16="http://schemas.microsoft.com/office/drawing/2014/main" id="{F66E07E4-A27B-9A8D-05FE-8A6E6B75C457}"/>
+                <a16:creationId xmlns:a16="http://schemas.microsoft.com/office/drawing/2014/main" id="{5BE8E12D-AA90-C091-A6EC-000F4DC68A1F}"/>
               </a:ext>
             </a:extLst>
           </p:cNvPr>
@@ -2100,7 +2100,7 @@
           <p:cNvPr id="4" name="灯片编号占位符 3">
             <a:extLst>
               <a:ext uri="{FF2B5EF4-FFF2-40B4-BE49-F238E27FC236}">
-                <a16:creationId xmlns:a16="http://schemas.microsoft.com/office/drawing/2014/main" id="{8D362D93-17A8-DF12-E20C-2D39E91B2CD3}"/>
+                <a16:creationId xmlns:a16="http://schemas.microsoft.com/office/drawing/2014/main" id="{BA59848F-3516-6BE8-79F0-481D03451168}"/>
               </a:ext>
             </a:extLst>
           </p:cNvPr>
@@ -2116,7 +2116,7 @@
           <a:bodyPr/>
           <a:lstStyle/>
           <a:p>
-            <a:fld id="{C464CF31-712F-46FF-961D-B004F7CAE694}" type="slidenum">
+            <a:fld id="{40DDE4FD-DFB3-4852-9545-40656E0DB72A}" type="slidenum">
               <a:rPr lang="zh-CN" altLang="en-US" smtClean="0"/>
               <a:t>‹#›</a:t>
             </a:fld>
@@ -2127,7 +2127,7 @@
     </p:spTree>
     <p:extLst>
       <p:ext uri="{BB962C8B-B14F-4D97-AF65-F5344CB8AC3E}">
-        <p14:creationId xmlns:p14="http://schemas.microsoft.com/office/powerpoint/2010/main" val="722816915"/>
+        <p14:creationId xmlns:p14="http://schemas.microsoft.com/office/powerpoint/2010/main" val="882622664"/>
       </p:ext>
     </p:extLst>
   </p:cSld>
@@ -2159,7 +2159,7 @@
           <p:cNvPr id="2" name="标题 1">
             <a:extLst>
               <a:ext uri="{FF2B5EF4-FFF2-40B4-BE49-F238E27FC236}">
-                <a16:creationId xmlns:a16="http://schemas.microsoft.com/office/drawing/2014/main" id="{6F380863-3BAD-50F7-3C95-E4FBF43832EA}"/>
+                <a16:creationId xmlns:a16="http://schemas.microsoft.com/office/drawing/2014/main" id="{BBEB55C8-0258-A073-792F-CC76B1BA0585}"/>
               </a:ext>
             </a:extLst>
           </p:cNvPr>
@@ -2196,7 +2196,7 @@
           <p:cNvPr id="3" name="内容占位符 2">
             <a:extLst>
               <a:ext uri="{FF2B5EF4-FFF2-40B4-BE49-F238E27FC236}">
-                <a16:creationId xmlns:a16="http://schemas.microsoft.com/office/drawing/2014/main" id="{EC9D1013-EF0E-4F2D-19A2-9D369DC7B91A}"/>
+                <a16:creationId xmlns:a16="http://schemas.microsoft.com/office/drawing/2014/main" id="{D3830502-9C4C-6FC8-D5F7-D2CF6A9E4418}"/>
               </a:ext>
             </a:extLst>
           </p:cNvPr>
@@ -2286,7 +2286,7 @@
           <p:cNvPr id="4" name="文本占位符 3">
             <a:extLst>
               <a:ext uri="{FF2B5EF4-FFF2-40B4-BE49-F238E27FC236}">
-                <a16:creationId xmlns:a16="http://schemas.microsoft.com/office/drawing/2014/main" id="{870C4003-B460-D6D8-825B-223B52EE9E29}"/>
+                <a16:creationId xmlns:a16="http://schemas.microsoft.com/office/drawing/2014/main" id="{78E6762C-535B-B45B-B282-FC8DF3BB6CFD}"/>
               </a:ext>
             </a:extLst>
           </p:cNvPr>
@@ -2357,7 +2357,7 @@
           <p:cNvPr id="5" name="日期占位符 4">
             <a:extLst>
               <a:ext uri="{FF2B5EF4-FFF2-40B4-BE49-F238E27FC236}">
-                <a16:creationId xmlns:a16="http://schemas.microsoft.com/office/drawing/2014/main" id="{E6E65815-1E77-5153-DE39-9FC380194CAB}"/>
+                <a16:creationId xmlns:a16="http://schemas.microsoft.com/office/drawing/2014/main" id="{746361A0-306B-E8AA-32E4-53F124543458}"/>
               </a:ext>
             </a:extLst>
           </p:cNvPr>
@@ -2373,7 +2373,7 @@
           <a:bodyPr/>
           <a:lstStyle/>
           <a:p>
-            <a:fld id="{F8EEDDF0-B3DF-4380-A74C-E2B61C2D5E9D}" type="datetimeFigureOut">
+            <a:fld id="{5CC75D47-A33A-43F2-816F-7C0C6EC9ACAE}" type="datetimeFigureOut">
               <a:rPr lang="zh-CN" altLang="en-US" smtClean="0"/>
               <a:t>2024/3/10</a:t>
             </a:fld>
@@ -2386,7 +2386,7 @@
           <p:cNvPr id="6" name="页脚占位符 5">
             <a:extLst>
               <a:ext uri="{FF2B5EF4-FFF2-40B4-BE49-F238E27FC236}">
-                <a16:creationId xmlns:a16="http://schemas.microsoft.com/office/drawing/2014/main" id="{C2F678AF-5CB2-34B8-C824-CBACFACA065D}"/>
+                <a16:creationId xmlns:a16="http://schemas.microsoft.com/office/drawing/2014/main" id="{9DA2EBF0-D4A3-096D-998A-7AAC1368F20F}"/>
               </a:ext>
             </a:extLst>
           </p:cNvPr>
@@ -2411,7 +2411,7 @@
           <p:cNvPr id="7" name="灯片编号占位符 6">
             <a:extLst>
               <a:ext uri="{FF2B5EF4-FFF2-40B4-BE49-F238E27FC236}">
-                <a16:creationId xmlns:a16="http://schemas.microsoft.com/office/drawing/2014/main" id="{871E28B4-5683-2D6A-0E12-A42DB71443FB}"/>
+                <a16:creationId xmlns:a16="http://schemas.microsoft.com/office/drawing/2014/main" id="{93100A1A-462B-DC2C-5806-001CDF54823E}"/>
               </a:ext>
             </a:extLst>
           </p:cNvPr>
@@ -2427,7 +2427,7 @@
           <a:bodyPr/>
           <a:lstStyle/>
           <a:p>
-            <a:fld id="{C464CF31-712F-46FF-961D-B004F7CAE694}" type="slidenum">
+            <a:fld id="{40DDE4FD-DFB3-4852-9545-40656E0DB72A}" type="slidenum">
               <a:rPr lang="zh-CN" altLang="en-US" smtClean="0"/>
               <a:t>‹#›</a:t>
             </a:fld>
@@ -2438,7 +2438,7 @@
     </p:spTree>
     <p:extLst>
       <p:ext uri="{BB962C8B-B14F-4D97-AF65-F5344CB8AC3E}">
-        <p14:creationId xmlns:p14="http://schemas.microsoft.com/office/powerpoint/2010/main" val="1608864977"/>
+        <p14:creationId xmlns:p14="http://schemas.microsoft.com/office/powerpoint/2010/main" val="3174528780"/>
       </p:ext>
     </p:extLst>
   </p:cSld>
@@ -2470,7 +2470,7 @@
           <p:cNvPr id="2" name="标题 1">
             <a:extLst>
               <a:ext uri="{FF2B5EF4-FFF2-40B4-BE49-F238E27FC236}">
-                <a16:creationId xmlns:a16="http://schemas.microsoft.com/office/drawing/2014/main" id="{BD6A9C57-28E7-1A5C-0343-F58B4ECA5723}"/>
+                <a16:creationId xmlns:a16="http://schemas.microsoft.com/office/drawing/2014/main" id="{5CFA5424-BEFB-D528-342A-A5565A312BD2}"/>
               </a:ext>
             </a:extLst>
           </p:cNvPr>
@@ -2507,7 +2507,7 @@
           <p:cNvPr id="3" name="图片占位符 2">
             <a:extLst>
               <a:ext uri="{FF2B5EF4-FFF2-40B4-BE49-F238E27FC236}">
-                <a16:creationId xmlns:a16="http://schemas.microsoft.com/office/drawing/2014/main" id="{F84A5226-37F2-7593-E44D-4A8764D6B5CC}"/>
+                <a16:creationId xmlns:a16="http://schemas.microsoft.com/office/drawing/2014/main" id="{1C1238AD-C6A9-F89E-259D-5BBFA0EE23CD}"/>
               </a:ext>
             </a:extLst>
           </p:cNvPr>
@@ -2574,7 +2574,7 @@
           <p:cNvPr id="4" name="文本占位符 3">
             <a:extLst>
               <a:ext uri="{FF2B5EF4-FFF2-40B4-BE49-F238E27FC236}">
-                <a16:creationId xmlns:a16="http://schemas.microsoft.com/office/drawing/2014/main" id="{849E1D26-ABD2-05F6-3389-4C7A3926CB47}"/>
+                <a16:creationId xmlns:a16="http://schemas.microsoft.com/office/drawing/2014/main" id="{1B99EF9A-5CBE-0C69-4BD5-0F5014768B56}"/>
               </a:ext>
             </a:extLst>
           </p:cNvPr>
@@ -2645,7 +2645,7 @@
           <p:cNvPr id="5" name="日期占位符 4">
             <a:extLst>
               <a:ext uri="{FF2B5EF4-FFF2-40B4-BE49-F238E27FC236}">
-                <a16:creationId xmlns:a16="http://schemas.microsoft.com/office/drawing/2014/main" id="{73A6E4CD-D990-0A4F-2EA0-739C8E14F809}"/>
+                <a16:creationId xmlns:a16="http://schemas.microsoft.com/office/drawing/2014/main" id="{B070E3C7-6289-DF7B-6193-0CAC9705EE4F}"/>
               </a:ext>
             </a:extLst>
           </p:cNvPr>
@@ -2661,7 +2661,7 @@
           <a:bodyPr/>
           <a:lstStyle/>
           <a:p>
-            <a:fld id="{F8EEDDF0-B3DF-4380-A74C-E2B61C2D5E9D}" type="datetimeFigureOut">
+            <a:fld id="{5CC75D47-A33A-43F2-816F-7C0C6EC9ACAE}" type="datetimeFigureOut">
               <a:rPr lang="zh-CN" altLang="en-US" smtClean="0"/>
               <a:t>2024/3/10</a:t>
             </a:fld>
@@ -2674,7 +2674,7 @@
           <p:cNvPr id="6" name="页脚占位符 5">
             <a:extLst>
               <a:ext uri="{FF2B5EF4-FFF2-40B4-BE49-F238E27FC236}">
-                <a16:creationId xmlns:a16="http://schemas.microsoft.com/office/drawing/2014/main" id="{D3ECA18D-B911-1EE5-75A9-FC0E82238028}"/>
+                <a16:creationId xmlns:a16="http://schemas.microsoft.com/office/drawing/2014/main" id="{E6848F49-BB9C-0C81-1689-58D9F9A7A5EC}"/>
               </a:ext>
             </a:extLst>
           </p:cNvPr>
@@ -2699,7 +2699,7 @@
           <p:cNvPr id="7" name="灯片编号占位符 6">
             <a:extLst>
               <a:ext uri="{FF2B5EF4-FFF2-40B4-BE49-F238E27FC236}">
-                <a16:creationId xmlns:a16="http://schemas.microsoft.com/office/drawing/2014/main" id="{01BE0639-D423-B02B-E8CE-AA994727D812}"/>
+                <a16:creationId xmlns:a16="http://schemas.microsoft.com/office/drawing/2014/main" id="{F958FEFD-8CA3-9323-68FB-0E71A249332B}"/>
               </a:ext>
             </a:extLst>
           </p:cNvPr>
@@ -2715,7 +2715,7 @@
           <a:bodyPr/>
           <a:lstStyle/>
           <a:p>
-            <a:fld id="{C464CF31-712F-46FF-961D-B004F7CAE694}" type="slidenum">
+            <a:fld id="{40DDE4FD-DFB3-4852-9545-40656E0DB72A}" type="slidenum">
               <a:rPr lang="zh-CN" altLang="en-US" smtClean="0"/>
               <a:t>‹#›</a:t>
             </a:fld>
@@ -2726,7 +2726,7 @@
     </p:spTree>
     <p:extLst>
       <p:ext uri="{BB962C8B-B14F-4D97-AF65-F5344CB8AC3E}">
-        <p14:creationId xmlns:p14="http://schemas.microsoft.com/office/powerpoint/2010/main" val="4164864744"/>
+        <p14:creationId xmlns:p14="http://schemas.microsoft.com/office/powerpoint/2010/main" val="1226694832"/>
       </p:ext>
     </p:extLst>
   </p:cSld>
@@ -2763,7 +2763,7 @@
           <p:cNvPr id="2" name="标题占位符 1">
             <a:extLst>
               <a:ext uri="{FF2B5EF4-FFF2-40B4-BE49-F238E27FC236}">
-                <a16:creationId xmlns:a16="http://schemas.microsoft.com/office/drawing/2014/main" id="{E78FC48E-62A0-BC96-AFB0-1D774C6DA158}"/>
+                <a16:creationId xmlns:a16="http://schemas.microsoft.com/office/drawing/2014/main" id="{FE35C0AA-129F-18F2-A0B0-6E34B6C05B12}"/>
               </a:ext>
             </a:extLst>
           </p:cNvPr>
@@ -2801,7 +2801,7 @@
           <p:cNvPr id="3" name="文本占位符 2">
             <a:extLst>
               <a:ext uri="{FF2B5EF4-FFF2-40B4-BE49-F238E27FC236}">
-                <a16:creationId xmlns:a16="http://schemas.microsoft.com/office/drawing/2014/main" id="{E88A5F41-0A0B-490C-9D21-01A2E7F2E170}"/>
+                <a16:creationId xmlns:a16="http://schemas.microsoft.com/office/drawing/2014/main" id="{2CDDD70E-C3C4-966C-909D-9F9FAE49D5D7}"/>
               </a:ext>
             </a:extLst>
           </p:cNvPr>
@@ -2868,7 +2868,7 @@
           <p:cNvPr id="4" name="日期占位符 3">
             <a:extLst>
               <a:ext uri="{FF2B5EF4-FFF2-40B4-BE49-F238E27FC236}">
-                <a16:creationId xmlns:a16="http://schemas.microsoft.com/office/drawing/2014/main" id="{8043F0D5-6053-3E58-134F-6D60F98EBBD0}"/>
+                <a16:creationId xmlns:a16="http://schemas.microsoft.com/office/drawing/2014/main" id="{E2F69CD3-C8D4-35AE-36FE-329F68778490}"/>
               </a:ext>
             </a:extLst>
           </p:cNvPr>
@@ -2902,7 +2902,7 @@
             </a:lvl1pPr>
           </a:lstStyle>
           <a:p>
-            <a:fld id="{F8EEDDF0-B3DF-4380-A74C-E2B61C2D5E9D}" type="datetimeFigureOut">
+            <a:fld id="{5CC75D47-A33A-43F2-816F-7C0C6EC9ACAE}" type="datetimeFigureOut">
               <a:rPr lang="zh-CN" altLang="en-US" smtClean="0"/>
               <a:t>2024/3/10</a:t>
             </a:fld>
@@ -2915,7 +2915,7 @@
           <p:cNvPr id="5" name="页脚占位符 4">
             <a:extLst>
               <a:ext uri="{FF2B5EF4-FFF2-40B4-BE49-F238E27FC236}">
-                <a16:creationId xmlns:a16="http://schemas.microsoft.com/office/drawing/2014/main" id="{AD5F977E-663B-D798-3715-645055342599}"/>
+                <a16:creationId xmlns:a16="http://schemas.microsoft.com/office/drawing/2014/main" id="{1CF9E440-5BE0-E443-E18F-482947B5AD57}"/>
               </a:ext>
             </a:extLst>
           </p:cNvPr>
@@ -2958,7 +2958,7 @@
           <p:cNvPr id="6" name="灯片编号占位符 5">
             <a:extLst>
               <a:ext uri="{FF2B5EF4-FFF2-40B4-BE49-F238E27FC236}">
-                <a16:creationId xmlns:a16="http://schemas.microsoft.com/office/drawing/2014/main" id="{BCBE7B81-4C6B-8341-49FD-9E7608D96CF0}"/>
+                <a16:creationId xmlns:a16="http://schemas.microsoft.com/office/drawing/2014/main" id="{DF3034C8-7B1B-9417-1B43-ECAF39107A93}"/>
               </a:ext>
             </a:extLst>
           </p:cNvPr>
@@ -2992,7 +2992,7 @@
             </a:lvl1pPr>
           </a:lstStyle>
           <a:p>
-            <a:fld id="{C464CF31-712F-46FF-961D-B004F7CAE694}" type="slidenum">
+            <a:fld id="{40DDE4FD-DFB3-4852-9545-40656E0DB72A}" type="slidenum">
               <a:rPr lang="zh-CN" altLang="en-US" smtClean="0"/>
               <a:t>‹#›</a:t>
             </a:fld>
@@ -3003,7 +3003,7 @@
     </p:spTree>
     <p:extLst>
       <p:ext uri="{BB962C8B-B14F-4D97-AF65-F5344CB8AC3E}">
-        <p14:creationId xmlns:p14="http://schemas.microsoft.com/office/powerpoint/2010/main" val="3877416224"/>
+        <p14:creationId xmlns:p14="http://schemas.microsoft.com/office/powerpoint/2010/main" val="827114783"/>
       </p:ext>
     </p:extLst>
   </p:cSld>
